--- a/Documents/biatlon.pptx
+++ b/Documents/biatlon.pptx
@@ -4501,7 +4501,7 @@
           <p:cNvPr id="2" name="Заголовок 1">
             <a:extLst>
               <a:ext uri="{FF2B5EF4-FFF2-40B4-BE49-F238E27FC236}">
-                <a16:creationId xmlns:a16="http://schemas.microsoft.com/office/drawing/2014/main" xmlns="" id="{435CE7AF-17BE-6C43-86F2-62455C684446}"/>
+                <a16:creationId xmlns="" xmlns:a16="http://schemas.microsoft.com/office/drawing/2014/main" id="{435CE7AF-17BE-6C43-86F2-62455C684446}"/>
               </a:ext>
             </a:extLst>
           </p:cNvPr>
@@ -4530,7 +4530,7 @@
           <p:cNvPr id="3" name="Подзаголовок 2">
             <a:extLst>
               <a:ext uri="{FF2B5EF4-FFF2-40B4-BE49-F238E27FC236}">
-                <a16:creationId xmlns:a16="http://schemas.microsoft.com/office/drawing/2014/main" xmlns="" id="{2BD85A28-1D0D-BF49-BEE9-6F0D991DF03B}"/>
+                <a16:creationId xmlns="" xmlns:a16="http://schemas.microsoft.com/office/drawing/2014/main" id="{2BD85A28-1D0D-BF49-BEE9-6F0D991DF03B}"/>
               </a:ext>
             </a:extLst>
           </p:cNvPr>
@@ -4563,7 +4563,7 @@
           <p:cNvPr id="4" name="Прямоугольник 3">
             <a:extLst>
               <a:ext uri="{FF2B5EF4-FFF2-40B4-BE49-F238E27FC236}">
-                <a16:creationId xmlns:a16="http://schemas.microsoft.com/office/drawing/2014/main" xmlns="" id="{DAAA715A-367A-894E-8E05-B689961A719C}"/>
+                <a16:creationId xmlns="" xmlns:a16="http://schemas.microsoft.com/office/drawing/2014/main" id="{DAAA715A-367A-894E-8E05-B689961A719C}"/>
               </a:ext>
             </a:extLst>
           </p:cNvPr>
@@ -4627,7 +4627,7 @@
           <p:cNvPr id="5" name="Подзаголовок 2">
             <a:extLst>
               <a:ext uri="{FF2B5EF4-FFF2-40B4-BE49-F238E27FC236}">
-                <a16:creationId xmlns:a16="http://schemas.microsoft.com/office/drawing/2014/main" xmlns="" id="{DEFF4CA3-75C1-8F41-99A7-2461A00F4AAC}"/>
+                <a16:creationId xmlns="" xmlns:a16="http://schemas.microsoft.com/office/drawing/2014/main" id="{DEFF4CA3-75C1-8F41-99A7-2461A00F4AAC}"/>
               </a:ext>
             </a:extLst>
           </p:cNvPr>
@@ -4961,7 +4961,7 @@
           <p:cNvPr id="6" name="Номер слайда 5">
             <a:extLst>
               <a:ext uri="{FF2B5EF4-FFF2-40B4-BE49-F238E27FC236}">
-                <a16:creationId xmlns:a16="http://schemas.microsoft.com/office/drawing/2014/main" xmlns="" id="{051AB604-8B80-0647-B333-96C554526610}"/>
+                <a16:creationId xmlns="" xmlns:a16="http://schemas.microsoft.com/office/drawing/2014/main" id="{051AB604-8B80-0647-B333-96C554526610}"/>
               </a:ext>
             </a:extLst>
           </p:cNvPr>
@@ -5028,7 +5028,7 @@
           <p:cNvPr id="2" name="Заголовок 1">
             <a:extLst>
               <a:ext uri="{FF2B5EF4-FFF2-40B4-BE49-F238E27FC236}">
-                <a16:creationId xmlns:a16="http://schemas.microsoft.com/office/drawing/2014/main" xmlns="" id="{CA17C6D2-C8B2-3843-9D25-BE01A5E5D87D}"/>
+                <a16:creationId xmlns="" xmlns:a16="http://schemas.microsoft.com/office/drawing/2014/main" id="{CA17C6D2-C8B2-3843-9D25-BE01A5E5D87D}"/>
               </a:ext>
             </a:extLst>
           </p:cNvPr>
@@ -5056,7 +5056,7 @@
           <p:cNvPr id="3" name="Объект 2">
             <a:extLst>
               <a:ext uri="{FF2B5EF4-FFF2-40B4-BE49-F238E27FC236}">
-                <a16:creationId xmlns:a16="http://schemas.microsoft.com/office/drawing/2014/main" xmlns="" id="{E90258BE-9698-734A-9568-D90539428A94}"/>
+                <a16:creationId xmlns="" xmlns:a16="http://schemas.microsoft.com/office/drawing/2014/main" id="{E90258BE-9698-734A-9568-D90539428A94}"/>
               </a:ext>
             </a:extLst>
           </p:cNvPr>
@@ -5113,7 +5113,7 @@
           <p:cNvPr id="4" name="Номер слайда 3">
             <a:extLst>
               <a:ext uri="{FF2B5EF4-FFF2-40B4-BE49-F238E27FC236}">
-                <a16:creationId xmlns:a16="http://schemas.microsoft.com/office/drawing/2014/main" xmlns="" id="{AC7A3FA0-65E3-AB42-9D42-52A9AD450FF9}"/>
+                <a16:creationId xmlns="" xmlns:a16="http://schemas.microsoft.com/office/drawing/2014/main" id="{AC7A3FA0-65E3-AB42-9D42-52A9AD450FF9}"/>
               </a:ext>
             </a:extLst>
           </p:cNvPr>
@@ -5179,7 +5179,7 @@
           <p:cNvPr id="2" name="Заголовок 1">
             <a:extLst>
               <a:ext uri="{FF2B5EF4-FFF2-40B4-BE49-F238E27FC236}">
-                <a16:creationId xmlns:a16="http://schemas.microsoft.com/office/drawing/2014/main" xmlns="" id="{2E3EFE62-1ADD-3A45-849F-BC6F7F48B69E}"/>
+                <a16:creationId xmlns="" xmlns:a16="http://schemas.microsoft.com/office/drawing/2014/main" id="{2E3EFE62-1ADD-3A45-849F-BC6F7F48B69E}"/>
               </a:ext>
             </a:extLst>
           </p:cNvPr>
@@ -5219,7 +5219,7 @@
           <p:cNvPr id="5" name="Объект 4">
             <a:extLst>
               <a:ext uri="{FF2B5EF4-FFF2-40B4-BE49-F238E27FC236}">
-                <a16:creationId xmlns:a16="http://schemas.microsoft.com/office/drawing/2014/main" xmlns="" id="{A12772FD-2AA1-4343-8AFC-CD77FE79F47D}"/>
+                <a16:creationId xmlns="" xmlns:a16="http://schemas.microsoft.com/office/drawing/2014/main" id="{A12772FD-2AA1-4343-8AFC-CD77FE79F47D}"/>
               </a:ext>
             </a:extLst>
           </p:cNvPr>
@@ -5248,7 +5248,7 @@
           <p:cNvPr id="6" name="Номер слайда 5">
             <a:extLst>
               <a:ext uri="{FF2B5EF4-FFF2-40B4-BE49-F238E27FC236}">
-                <a16:creationId xmlns:a16="http://schemas.microsoft.com/office/drawing/2014/main" xmlns="" id="{01E0FE3A-298C-0A45-95C2-06C485E26429}"/>
+                <a16:creationId xmlns="" xmlns:a16="http://schemas.microsoft.com/office/drawing/2014/main" id="{01E0FE3A-298C-0A45-95C2-06C485E26429}"/>
               </a:ext>
             </a:extLst>
           </p:cNvPr>
@@ -5314,7 +5314,7 @@
           <p:cNvPr id="2" name="Заголовок 1">
             <a:extLst>
               <a:ext uri="{FF2B5EF4-FFF2-40B4-BE49-F238E27FC236}">
-                <a16:creationId xmlns:a16="http://schemas.microsoft.com/office/drawing/2014/main" xmlns="" id="{EE1A0A58-D647-FA42-870D-B6CA64C342F2}"/>
+                <a16:creationId xmlns="" xmlns:a16="http://schemas.microsoft.com/office/drawing/2014/main" id="{EE1A0A58-D647-FA42-870D-B6CA64C342F2}"/>
               </a:ext>
             </a:extLst>
           </p:cNvPr>
@@ -5347,7 +5347,7 @@
           <p:cNvPr id="9" name="Объект 8">
             <a:extLst>
               <a:ext uri="{FF2B5EF4-FFF2-40B4-BE49-F238E27FC236}">
-                <a16:creationId xmlns:a16="http://schemas.microsoft.com/office/drawing/2014/main" xmlns="" id="{81E4E47B-E4E7-5B40-9A95-E0851220FA75}"/>
+                <a16:creationId xmlns="" xmlns:a16="http://schemas.microsoft.com/office/drawing/2014/main" id="{81E4E47B-E4E7-5B40-9A95-E0851220FA75}"/>
               </a:ext>
             </a:extLst>
           </p:cNvPr>
@@ -5376,7 +5376,7 @@
           <p:cNvPr id="10" name="Номер слайда 9">
             <a:extLst>
               <a:ext uri="{FF2B5EF4-FFF2-40B4-BE49-F238E27FC236}">
-                <a16:creationId xmlns:a16="http://schemas.microsoft.com/office/drawing/2014/main" xmlns="" id="{D7FD0E94-DD90-5248-B877-DC48D4ED8760}"/>
+                <a16:creationId xmlns="" xmlns:a16="http://schemas.microsoft.com/office/drawing/2014/main" id="{D7FD0E94-DD90-5248-B877-DC48D4ED8760}"/>
               </a:ext>
             </a:extLst>
           </p:cNvPr>
@@ -5442,7 +5442,7 @@
           <p:cNvPr id="2" name="Заголовок 1">
             <a:extLst>
               <a:ext uri="{FF2B5EF4-FFF2-40B4-BE49-F238E27FC236}">
-                <a16:creationId xmlns:a16="http://schemas.microsoft.com/office/drawing/2014/main" xmlns="" id="{EE1A0A58-D647-FA42-870D-B6CA64C342F2}"/>
+                <a16:creationId xmlns="" xmlns:a16="http://schemas.microsoft.com/office/drawing/2014/main" id="{EE1A0A58-D647-FA42-870D-B6CA64C342F2}"/>
               </a:ext>
             </a:extLst>
           </p:cNvPr>
@@ -5475,7 +5475,7 @@
           <p:cNvPr id="6" name="Рисунок 5">
             <a:extLst>
               <a:ext uri="{FF2B5EF4-FFF2-40B4-BE49-F238E27FC236}">
-                <a16:creationId xmlns:a16="http://schemas.microsoft.com/office/drawing/2014/main" xmlns="" id="{A2C0EDF4-CCCD-D142-B1EB-E427B4C36E31}"/>
+                <a16:creationId xmlns="" xmlns:a16="http://schemas.microsoft.com/office/drawing/2014/main" id="{A2C0EDF4-CCCD-D142-B1EB-E427B4C36E31}"/>
               </a:ext>
             </a:extLst>
           </p:cNvPr>
@@ -5505,7 +5505,7 @@
           <p:cNvPr id="11" name="Объект 10">
             <a:extLst>
               <a:ext uri="{FF2B5EF4-FFF2-40B4-BE49-F238E27FC236}">
-                <a16:creationId xmlns:a16="http://schemas.microsoft.com/office/drawing/2014/main" xmlns="" id="{91CC1687-3380-0046-9B17-ABE9AAA9D893}"/>
+                <a16:creationId xmlns="" xmlns:a16="http://schemas.microsoft.com/office/drawing/2014/main" id="{91CC1687-3380-0046-9B17-ABE9AAA9D893}"/>
               </a:ext>
             </a:extLst>
           </p:cNvPr>
@@ -5530,7 +5530,7 @@
           <p:cNvPr id="12" name="Номер слайда 11">
             <a:extLst>
               <a:ext uri="{FF2B5EF4-FFF2-40B4-BE49-F238E27FC236}">
-                <a16:creationId xmlns:a16="http://schemas.microsoft.com/office/drawing/2014/main" xmlns="" id="{9C55CE45-95E0-E24C-A986-DDA0E12BC083}"/>
+                <a16:creationId xmlns="" xmlns:a16="http://schemas.microsoft.com/office/drawing/2014/main" id="{9C55CE45-95E0-E24C-A986-DDA0E12BC083}"/>
               </a:ext>
             </a:extLst>
           </p:cNvPr>
@@ -5596,7 +5596,7 @@
           <p:cNvPr id="2" name="Заголовок 1">
             <a:extLst>
               <a:ext uri="{FF2B5EF4-FFF2-40B4-BE49-F238E27FC236}">
-                <a16:creationId xmlns:a16="http://schemas.microsoft.com/office/drawing/2014/main" xmlns="" id="{EE1A0A58-D647-FA42-870D-B6CA64C342F2}"/>
+                <a16:creationId xmlns="" xmlns:a16="http://schemas.microsoft.com/office/drawing/2014/main" id="{EE1A0A58-D647-FA42-870D-B6CA64C342F2}"/>
               </a:ext>
             </a:extLst>
           </p:cNvPr>
@@ -5629,7 +5629,7 @@
           <p:cNvPr id="5" name="Рисунок 4">
             <a:extLst>
               <a:ext uri="{FF2B5EF4-FFF2-40B4-BE49-F238E27FC236}">
-                <a16:creationId xmlns:a16="http://schemas.microsoft.com/office/drawing/2014/main" xmlns="" id="{899F672B-A6D7-6F4F-B4C8-F6804A51425D}"/>
+                <a16:creationId xmlns="" xmlns:a16="http://schemas.microsoft.com/office/drawing/2014/main" id="{899F672B-A6D7-6F4F-B4C8-F6804A51425D}"/>
               </a:ext>
             </a:extLst>
           </p:cNvPr>
@@ -5659,7 +5659,7 @@
           <p:cNvPr id="7" name="Объект 6">
             <a:extLst>
               <a:ext uri="{FF2B5EF4-FFF2-40B4-BE49-F238E27FC236}">
-                <a16:creationId xmlns:a16="http://schemas.microsoft.com/office/drawing/2014/main" xmlns="" id="{62F14901-D32A-B249-8640-29A016C6FB41}"/>
+                <a16:creationId xmlns="" xmlns:a16="http://schemas.microsoft.com/office/drawing/2014/main" id="{62F14901-D32A-B249-8640-29A016C6FB41}"/>
               </a:ext>
             </a:extLst>
           </p:cNvPr>
@@ -5684,7 +5684,7 @@
           <p:cNvPr id="8" name="Номер слайда 7">
             <a:extLst>
               <a:ext uri="{FF2B5EF4-FFF2-40B4-BE49-F238E27FC236}">
-                <a16:creationId xmlns:a16="http://schemas.microsoft.com/office/drawing/2014/main" xmlns="" id="{155EA5F2-8C02-7A48-A586-A8F83D64B8F7}"/>
+                <a16:creationId xmlns="" xmlns:a16="http://schemas.microsoft.com/office/drawing/2014/main" id="{155EA5F2-8C02-7A48-A586-A8F83D64B8F7}"/>
               </a:ext>
             </a:extLst>
           </p:cNvPr>
@@ -5750,7 +5750,7 @@
           <p:cNvPr id="2" name="Заголовок 1">
             <a:extLst>
               <a:ext uri="{FF2B5EF4-FFF2-40B4-BE49-F238E27FC236}">
-                <a16:creationId xmlns:a16="http://schemas.microsoft.com/office/drawing/2014/main" xmlns="" id="{EE1A0A58-D647-FA42-870D-B6CA64C342F2}"/>
+                <a16:creationId xmlns="" xmlns:a16="http://schemas.microsoft.com/office/drawing/2014/main" id="{EE1A0A58-D647-FA42-870D-B6CA64C342F2}"/>
               </a:ext>
             </a:extLst>
           </p:cNvPr>
@@ -5783,7 +5783,7 @@
           <p:cNvPr id="4" name="Объект 3">
             <a:extLst>
               <a:ext uri="{FF2B5EF4-FFF2-40B4-BE49-F238E27FC236}">
-                <a16:creationId xmlns:a16="http://schemas.microsoft.com/office/drawing/2014/main" xmlns="" id="{3A03CFB2-10A3-AD47-A058-4E2FC4BA6E2C}"/>
+                <a16:creationId xmlns="" xmlns:a16="http://schemas.microsoft.com/office/drawing/2014/main" id="{3A03CFB2-10A3-AD47-A058-4E2FC4BA6E2C}"/>
               </a:ext>
             </a:extLst>
           </p:cNvPr>
@@ -5812,7 +5812,7 @@
           <p:cNvPr id="5" name="Номер слайда 4">
             <a:extLst>
               <a:ext uri="{FF2B5EF4-FFF2-40B4-BE49-F238E27FC236}">
-                <a16:creationId xmlns:a16="http://schemas.microsoft.com/office/drawing/2014/main" xmlns="" id="{D6DEFBC8-9BD3-C048-9826-B74DE69F4D79}"/>
+                <a16:creationId xmlns="" xmlns:a16="http://schemas.microsoft.com/office/drawing/2014/main" id="{D6DEFBC8-9BD3-C048-9826-B74DE69F4D79}"/>
               </a:ext>
             </a:extLst>
           </p:cNvPr>
@@ -5878,7 +5878,7 @@
           <p:cNvPr id="2" name="Заголовок 1">
             <a:extLst>
               <a:ext uri="{FF2B5EF4-FFF2-40B4-BE49-F238E27FC236}">
-                <a16:creationId xmlns:a16="http://schemas.microsoft.com/office/drawing/2014/main" xmlns="" id="{D3CF5D81-8E71-F741-B521-C70B045F25B8}"/>
+                <a16:creationId xmlns="" xmlns:a16="http://schemas.microsoft.com/office/drawing/2014/main" id="{D3CF5D81-8E71-F741-B521-C70B045F25B8}"/>
               </a:ext>
             </a:extLst>
           </p:cNvPr>
@@ -5906,7 +5906,7 @@
           <p:cNvPr id="3" name="Объект 2">
             <a:extLst>
               <a:ext uri="{FF2B5EF4-FFF2-40B4-BE49-F238E27FC236}">
-                <a16:creationId xmlns:a16="http://schemas.microsoft.com/office/drawing/2014/main" xmlns="" id="{9DC30A86-6A4B-F84E-8ED7-DB2A396A0D66}"/>
+                <a16:creationId xmlns="" xmlns:a16="http://schemas.microsoft.com/office/drawing/2014/main" id="{9DC30A86-6A4B-F84E-8ED7-DB2A396A0D66}"/>
               </a:ext>
             </a:extLst>
           </p:cNvPr>
@@ -5960,32 +5960,16 @@
           <a:p>
             <a:r>
               <a:rPr lang="ru-RU" sz="2400" dirty="0"/>
-              <a:t>Реализация базы данных;</a:t>
-            </a:r>
-          </a:p>
-          <a:p>
-            <a:r>
-              <a:rPr lang="ru-RU" sz="2400" dirty="0"/>
-              <a:t>Создание связей между </a:t>
-            </a:r>
-            <a:r>
-              <a:rPr lang="en" sz="2400" dirty="0"/>
-              <a:t>Front-end </a:t>
-            </a:r>
-            <a:r>
-              <a:rPr lang="ru-RU" sz="2400" dirty="0"/>
-              <a:t>и </a:t>
-            </a:r>
-            <a:r>
-              <a:rPr lang="en" sz="2400" dirty="0"/>
-              <a:t>Back-end </a:t>
-            </a:r>
-            <a:r>
-              <a:rPr lang="ru-RU" sz="2400" dirty="0"/>
-              <a:t>частями.</a:t>
-            </a:r>
-          </a:p>
-          <a:p>
+              <a:t>Реализация базы </a:t>
+            </a:r>
+            <a:r>
+              <a:rPr lang="ru-RU" sz="2400"/>
+              <a:t>данных</a:t>
+            </a:r>
+            <a:r>
+              <a:rPr lang="ru-RU" sz="2400" smtClean="0"/>
+              <a:t>;</a:t>
+            </a:r>
             <a:endParaRPr lang="ru-RU" sz="2400" dirty="0"/>
           </a:p>
         </p:txBody>
@@ -5995,7 +5979,7 @@
           <p:cNvPr id="4" name="Номер слайда 3">
             <a:extLst>
               <a:ext uri="{FF2B5EF4-FFF2-40B4-BE49-F238E27FC236}">
-                <a16:creationId xmlns:a16="http://schemas.microsoft.com/office/drawing/2014/main" xmlns="" id="{E0A44451-34C5-704C-81F6-A48299982A40}"/>
+                <a16:creationId xmlns="" xmlns:a16="http://schemas.microsoft.com/office/drawing/2014/main" id="{E0A44451-34C5-704C-81F6-A48299982A40}"/>
               </a:ext>
             </a:extLst>
           </p:cNvPr>
@@ -6024,7 +6008,7 @@
           <p:cNvPr id="6" name="TextBox 5">
             <a:extLst>
               <a:ext uri="{FF2B5EF4-FFF2-40B4-BE49-F238E27FC236}">
-                <a16:creationId xmlns:a16="http://schemas.microsoft.com/office/drawing/2014/main" xmlns="" id="{CA33AFB2-CE71-F048-95FF-66B75BA4555E}"/>
+                <a16:creationId xmlns="" xmlns:a16="http://schemas.microsoft.com/office/drawing/2014/main" id="{CA33AFB2-CE71-F048-95FF-66B75BA4555E}"/>
               </a:ext>
             </a:extLst>
           </p:cNvPr>
@@ -6101,7 +6085,7 @@
           <p:cNvPr id="2" name="Заголовок 1">
             <a:extLst>
               <a:ext uri="{FF2B5EF4-FFF2-40B4-BE49-F238E27FC236}">
-                <a16:creationId xmlns:a16="http://schemas.microsoft.com/office/drawing/2014/main" xmlns="" id="{435CE7AF-17BE-6C43-86F2-62455C684446}"/>
+                <a16:creationId xmlns="" xmlns:a16="http://schemas.microsoft.com/office/drawing/2014/main" id="{435CE7AF-17BE-6C43-86F2-62455C684446}"/>
               </a:ext>
             </a:extLst>
           </p:cNvPr>
@@ -6130,7 +6114,7 @@
           <p:cNvPr id="3" name="Подзаголовок 2">
             <a:extLst>
               <a:ext uri="{FF2B5EF4-FFF2-40B4-BE49-F238E27FC236}">
-                <a16:creationId xmlns:a16="http://schemas.microsoft.com/office/drawing/2014/main" xmlns="" id="{2BD85A28-1D0D-BF49-BEE9-6F0D991DF03B}"/>
+                <a16:creationId xmlns="" xmlns:a16="http://schemas.microsoft.com/office/drawing/2014/main" id="{2BD85A28-1D0D-BF49-BEE9-6F0D991DF03B}"/>
               </a:ext>
             </a:extLst>
           </p:cNvPr>
@@ -6163,7 +6147,7 @@
           <p:cNvPr id="4" name="Прямоугольник 3">
             <a:extLst>
               <a:ext uri="{FF2B5EF4-FFF2-40B4-BE49-F238E27FC236}">
-                <a16:creationId xmlns:a16="http://schemas.microsoft.com/office/drawing/2014/main" xmlns="" id="{DAAA715A-367A-894E-8E05-B689961A719C}"/>
+                <a16:creationId xmlns="" xmlns:a16="http://schemas.microsoft.com/office/drawing/2014/main" id="{DAAA715A-367A-894E-8E05-B689961A719C}"/>
               </a:ext>
             </a:extLst>
           </p:cNvPr>
@@ -6227,7 +6211,7 @@
           <p:cNvPr id="5" name="Подзаголовок 2">
             <a:extLst>
               <a:ext uri="{FF2B5EF4-FFF2-40B4-BE49-F238E27FC236}">
-                <a16:creationId xmlns:a16="http://schemas.microsoft.com/office/drawing/2014/main" xmlns="" id="{DEFF4CA3-75C1-8F41-99A7-2461A00F4AAC}"/>
+                <a16:creationId xmlns="" xmlns:a16="http://schemas.microsoft.com/office/drawing/2014/main" id="{DEFF4CA3-75C1-8F41-99A7-2461A00F4AAC}"/>
               </a:ext>
             </a:extLst>
           </p:cNvPr>
@@ -6561,7 +6545,7 @@
           <p:cNvPr id="6" name="Номер слайда 5">
             <a:extLst>
               <a:ext uri="{FF2B5EF4-FFF2-40B4-BE49-F238E27FC236}">
-                <a16:creationId xmlns:a16="http://schemas.microsoft.com/office/drawing/2014/main" xmlns="" id="{051AB604-8B80-0647-B333-96C554526610}"/>
+                <a16:creationId xmlns="" xmlns:a16="http://schemas.microsoft.com/office/drawing/2014/main" id="{051AB604-8B80-0647-B333-96C554526610}"/>
               </a:ext>
             </a:extLst>
           </p:cNvPr>
@@ -6628,7 +6612,7 @@
           <p:cNvPr id="2" name="Заголовок 1">
             <a:extLst>
               <a:ext uri="{FF2B5EF4-FFF2-40B4-BE49-F238E27FC236}">
-                <a16:creationId xmlns:a16="http://schemas.microsoft.com/office/drawing/2014/main" xmlns="" id="{FD406CE3-6B29-E343-8116-C142DC5A30F5}"/>
+                <a16:creationId xmlns="" xmlns:a16="http://schemas.microsoft.com/office/drawing/2014/main" id="{FD406CE3-6B29-E343-8116-C142DC5A30F5}"/>
               </a:ext>
             </a:extLst>
           </p:cNvPr>
@@ -6661,7 +6645,7 @@
           <p:cNvPr id="5" name="Номер слайда 4">
             <a:extLst>
               <a:ext uri="{FF2B5EF4-FFF2-40B4-BE49-F238E27FC236}">
-                <a16:creationId xmlns:a16="http://schemas.microsoft.com/office/drawing/2014/main" xmlns="" id="{95F4BFC4-58EE-9E43-99DA-4B875A8A2F8F}"/>
+                <a16:creationId xmlns="" xmlns:a16="http://schemas.microsoft.com/office/drawing/2014/main" id="{95F4BFC4-58EE-9E43-99DA-4B875A8A2F8F}"/>
               </a:ext>
             </a:extLst>
           </p:cNvPr>
@@ -6690,7 +6674,7 @@
           <p:cNvPr id="6" name="Овал 5">
             <a:extLst>
               <a:ext uri="{FF2B5EF4-FFF2-40B4-BE49-F238E27FC236}">
-                <a16:creationId xmlns:a16="http://schemas.microsoft.com/office/drawing/2014/main" xmlns="" id="{48EF9134-9DB2-D848-AE96-ECE59E944823}"/>
+                <a16:creationId xmlns="" xmlns:a16="http://schemas.microsoft.com/office/drawing/2014/main" id="{48EF9134-9DB2-D848-AE96-ECE59E944823}"/>
               </a:ext>
             </a:extLst>
           </p:cNvPr>
@@ -6873,7 +6857,7 @@
           <p:cNvPr id="7" name="Овал 6">
             <a:extLst>
               <a:ext uri="{FF2B5EF4-FFF2-40B4-BE49-F238E27FC236}">
-                <a16:creationId xmlns:a16="http://schemas.microsoft.com/office/drawing/2014/main" xmlns="" id="{1E75F0BA-EA4B-6643-ABFA-E51660E8C083}"/>
+                <a16:creationId xmlns="" xmlns:a16="http://schemas.microsoft.com/office/drawing/2014/main" id="{1E75F0BA-EA4B-6643-ABFA-E51660E8C083}"/>
               </a:ext>
             </a:extLst>
           </p:cNvPr>
@@ -7051,7 +7035,7 @@
           <p:cNvPr id="8" name="Овал 7">
             <a:extLst>
               <a:ext uri="{FF2B5EF4-FFF2-40B4-BE49-F238E27FC236}">
-                <a16:creationId xmlns:a16="http://schemas.microsoft.com/office/drawing/2014/main" xmlns="" id="{4B748ECD-8A38-264C-9029-AF0D61FC8E92}"/>
+                <a16:creationId xmlns="" xmlns:a16="http://schemas.microsoft.com/office/drawing/2014/main" id="{4B748ECD-8A38-264C-9029-AF0D61FC8E92}"/>
               </a:ext>
             </a:extLst>
           </p:cNvPr>
@@ -7262,7 +7246,7 @@
           <p:cNvPr id="9" name="TextBox 8">
             <a:extLst>
               <a:ext uri="{FF2B5EF4-FFF2-40B4-BE49-F238E27FC236}">
-                <a16:creationId xmlns:a16="http://schemas.microsoft.com/office/drawing/2014/main" xmlns="" id="{4FCCBF8F-B062-2E47-BA46-3202B29CB2E3}"/>
+                <a16:creationId xmlns="" xmlns:a16="http://schemas.microsoft.com/office/drawing/2014/main" id="{4FCCBF8F-B062-2E47-BA46-3202B29CB2E3}"/>
               </a:ext>
             </a:extLst>
           </p:cNvPr>
@@ -7302,7 +7286,7 @@
           <p:cNvPr id="10" name="TextBox 9">
             <a:extLst>
               <a:ext uri="{FF2B5EF4-FFF2-40B4-BE49-F238E27FC236}">
-                <a16:creationId xmlns:a16="http://schemas.microsoft.com/office/drawing/2014/main" xmlns="" id="{B1D2C3CA-9D3E-2547-9FA7-318A974166C1}"/>
+                <a16:creationId xmlns="" xmlns:a16="http://schemas.microsoft.com/office/drawing/2014/main" id="{B1D2C3CA-9D3E-2547-9FA7-318A974166C1}"/>
               </a:ext>
             </a:extLst>
           </p:cNvPr>
@@ -7337,7 +7321,7 @@
           <p:cNvPr id="11" name="TextBox 10">
             <a:extLst>
               <a:ext uri="{FF2B5EF4-FFF2-40B4-BE49-F238E27FC236}">
-                <a16:creationId xmlns:a16="http://schemas.microsoft.com/office/drawing/2014/main" xmlns="" id="{11457052-39F2-9448-9B5F-EC2CBD30AAA0}"/>
+                <a16:creationId xmlns="" xmlns:a16="http://schemas.microsoft.com/office/drawing/2014/main" id="{11457052-39F2-9448-9B5F-EC2CBD30AAA0}"/>
               </a:ext>
             </a:extLst>
           </p:cNvPr>
@@ -7409,7 +7393,7 @@
           <p:cNvPr id="2" name="Заголовок 1">
             <a:extLst>
               <a:ext uri="{FF2B5EF4-FFF2-40B4-BE49-F238E27FC236}">
-                <a16:creationId xmlns:a16="http://schemas.microsoft.com/office/drawing/2014/main" xmlns="" id="{CC48611C-BFDD-D74F-8D48-DD1433582AC5}"/>
+                <a16:creationId xmlns="" xmlns:a16="http://schemas.microsoft.com/office/drawing/2014/main" id="{CC48611C-BFDD-D74F-8D48-DD1433582AC5}"/>
               </a:ext>
             </a:extLst>
           </p:cNvPr>
@@ -7437,7 +7421,7 @@
           <p:cNvPr id="3" name="Объект 2">
             <a:extLst>
               <a:ext uri="{FF2B5EF4-FFF2-40B4-BE49-F238E27FC236}">
-                <a16:creationId xmlns:a16="http://schemas.microsoft.com/office/drawing/2014/main" xmlns="" id="{B944B9CE-CA7E-C34C-A6D9-3F91F5A4E4A2}"/>
+                <a16:creationId xmlns="" xmlns:a16="http://schemas.microsoft.com/office/drawing/2014/main" id="{B944B9CE-CA7E-C34C-A6D9-3F91F5A4E4A2}"/>
               </a:ext>
             </a:extLst>
           </p:cNvPr>
@@ -7505,7 +7489,7 @@
           <p:cNvPr id="4" name="Номер слайда 3">
             <a:extLst>
               <a:ext uri="{FF2B5EF4-FFF2-40B4-BE49-F238E27FC236}">
-                <a16:creationId xmlns:a16="http://schemas.microsoft.com/office/drawing/2014/main" xmlns="" id="{EE5ABF53-4F38-8D4C-8D1F-EF66A250CED2}"/>
+                <a16:creationId xmlns="" xmlns:a16="http://schemas.microsoft.com/office/drawing/2014/main" id="{EE5ABF53-4F38-8D4C-8D1F-EF66A250CED2}"/>
               </a:ext>
             </a:extLst>
           </p:cNvPr>
@@ -7571,7 +7555,7 @@
           <p:cNvPr id="2" name="Заголовок 1">
             <a:extLst>
               <a:ext uri="{FF2B5EF4-FFF2-40B4-BE49-F238E27FC236}">
-                <a16:creationId xmlns:a16="http://schemas.microsoft.com/office/drawing/2014/main" xmlns="" id="{826B49D1-4B89-F34A-82C4-6157505595AA}"/>
+                <a16:creationId xmlns="" xmlns:a16="http://schemas.microsoft.com/office/drawing/2014/main" id="{826B49D1-4B89-F34A-82C4-6157505595AA}"/>
               </a:ext>
             </a:extLst>
           </p:cNvPr>
@@ -7599,7 +7583,7 @@
           <p:cNvPr id="3" name="Объект 2">
             <a:extLst>
               <a:ext uri="{FF2B5EF4-FFF2-40B4-BE49-F238E27FC236}">
-                <a16:creationId xmlns:a16="http://schemas.microsoft.com/office/drawing/2014/main" xmlns="" id="{543A0627-CE50-D644-BCF3-EC4C95AE00B9}"/>
+                <a16:creationId xmlns="" xmlns:a16="http://schemas.microsoft.com/office/drawing/2014/main" id="{543A0627-CE50-D644-BCF3-EC4C95AE00B9}"/>
               </a:ext>
             </a:extLst>
           </p:cNvPr>
@@ -7665,7 +7649,7 @@
           <p:cNvPr id="4" name="Номер слайда 3">
             <a:extLst>
               <a:ext uri="{FF2B5EF4-FFF2-40B4-BE49-F238E27FC236}">
-                <a16:creationId xmlns:a16="http://schemas.microsoft.com/office/drawing/2014/main" xmlns="" id="{8C989986-9EC4-C249-AF45-8A566B789DC8}"/>
+                <a16:creationId xmlns="" xmlns:a16="http://schemas.microsoft.com/office/drawing/2014/main" id="{8C989986-9EC4-C249-AF45-8A566B789DC8}"/>
               </a:ext>
             </a:extLst>
           </p:cNvPr>
@@ -7731,7 +7715,7 @@
           <p:cNvPr id="2" name="Заголовок 1">
             <a:extLst>
               <a:ext uri="{FF2B5EF4-FFF2-40B4-BE49-F238E27FC236}">
-                <a16:creationId xmlns:a16="http://schemas.microsoft.com/office/drawing/2014/main" xmlns="" id="{5BBBBAE2-1C82-864B-A4D0-D6C7C61A4BED}"/>
+                <a16:creationId xmlns="" xmlns:a16="http://schemas.microsoft.com/office/drawing/2014/main" id="{5BBBBAE2-1C82-864B-A4D0-D6C7C61A4BED}"/>
               </a:ext>
             </a:extLst>
           </p:cNvPr>
@@ -7759,7 +7743,7 @@
           <p:cNvPr id="3" name="Объект 2">
             <a:extLst>
               <a:ext uri="{FF2B5EF4-FFF2-40B4-BE49-F238E27FC236}">
-                <a16:creationId xmlns:a16="http://schemas.microsoft.com/office/drawing/2014/main" xmlns="" id="{A070577B-6BA7-084F-95C7-9A655809B88C}"/>
+                <a16:creationId xmlns="" xmlns:a16="http://schemas.microsoft.com/office/drawing/2014/main" id="{A070577B-6BA7-084F-95C7-9A655809B88C}"/>
               </a:ext>
             </a:extLst>
           </p:cNvPr>
@@ -7813,7 +7797,7 @@
           <p:cNvPr id="4" name="Номер слайда 3">
             <a:extLst>
               <a:ext uri="{FF2B5EF4-FFF2-40B4-BE49-F238E27FC236}">
-                <a16:creationId xmlns:a16="http://schemas.microsoft.com/office/drawing/2014/main" xmlns="" id="{A694EBBD-E1F8-E54F-8BAD-34E4CE33948E}"/>
+                <a16:creationId xmlns="" xmlns:a16="http://schemas.microsoft.com/office/drawing/2014/main" id="{A694EBBD-E1F8-E54F-8BAD-34E4CE33948E}"/>
               </a:ext>
             </a:extLst>
           </p:cNvPr>
@@ -7879,7 +7863,7 @@
           <p:cNvPr id="2" name="Заголовок 1">
             <a:extLst>
               <a:ext uri="{FF2B5EF4-FFF2-40B4-BE49-F238E27FC236}">
-                <a16:creationId xmlns:a16="http://schemas.microsoft.com/office/drawing/2014/main" xmlns="" id="{727EA2F4-D717-E14B-811A-51E2E7C2C470}"/>
+                <a16:creationId xmlns="" xmlns:a16="http://schemas.microsoft.com/office/drawing/2014/main" id="{727EA2F4-D717-E14B-811A-51E2E7C2C470}"/>
               </a:ext>
             </a:extLst>
           </p:cNvPr>
@@ -7912,7 +7896,7 @@
           <p:cNvPr id="1028" name="Picture 4" descr="Олимптека | Группа на OK.ru | Вступай, читай, общайся в Одноклассниках!">
             <a:extLst>
               <a:ext uri="{FF2B5EF4-FFF2-40B4-BE49-F238E27FC236}">
-                <a16:creationId xmlns:a16="http://schemas.microsoft.com/office/drawing/2014/main" xmlns="" id="{0893039B-6276-264C-921E-8EAF939EA141}"/>
+                <a16:creationId xmlns="" xmlns:a16="http://schemas.microsoft.com/office/drawing/2014/main" id="{0893039B-6276-264C-921E-8EAF939EA141}"/>
               </a:ext>
             </a:extLst>
           </p:cNvPr>
@@ -7959,7 +7943,7 @@
           <p:cNvPr id="4" name="Picture 6">
             <a:extLst>
               <a:ext uri="{FF2B5EF4-FFF2-40B4-BE49-F238E27FC236}">
-                <a16:creationId xmlns:a16="http://schemas.microsoft.com/office/drawing/2014/main" xmlns="" id="{0BE1A99B-BF1A-8E4C-910E-D7285757AB24}"/>
+                <a16:creationId xmlns="" xmlns:a16="http://schemas.microsoft.com/office/drawing/2014/main" id="{0BE1A99B-BF1A-8E4C-910E-D7285757AB24}"/>
               </a:ext>
             </a:extLst>
           </p:cNvPr>
@@ -8006,7 +7990,7 @@
           <p:cNvPr id="5" name="TextBox 4">
             <a:extLst>
               <a:ext uri="{FF2B5EF4-FFF2-40B4-BE49-F238E27FC236}">
-                <a16:creationId xmlns:a16="http://schemas.microsoft.com/office/drawing/2014/main" xmlns="" id="{7EBE5DC9-E09E-764A-B126-63A9A40DC29B}"/>
+                <a16:creationId xmlns="" xmlns:a16="http://schemas.microsoft.com/office/drawing/2014/main" id="{7EBE5DC9-E09E-764A-B126-63A9A40DC29B}"/>
               </a:ext>
             </a:extLst>
           </p:cNvPr>
@@ -8065,7 +8049,7 @@
           <p:cNvPr id="6" name="Номер слайда 5">
             <a:extLst>
               <a:ext uri="{FF2B5EF4-FFF2-40B4-BE49-F238E27FC236}">
-                <a16:creationId xmlns:a16="http://schemas.microsoft.com/office/drawing/2014/main" xmlns="" id="{3C82DF7F-BCB7-2C4E-B4AC-FC5B0ED4062D}"/>
+                <a16:creationId xmlns="" xmlns:a16="http://schemas.microsoft.com/office/drawing/2014/main" id="{3C82DF7F-BCB7-2C4E-B4AC-FC5B0ED4062D}"/>
               </a:ext>
             </a:extLst>
           </p:cNvPr>
@@ -8131,7 +8115,7 @@
           <p:cNvPr id="2" name="Заголовок 1">
             <a:extLst>
               <a:ext uri="{FF2B5EF4-FFF2-40B4-BE49-F238E27FC236}">
-                <a16:creationId xmlns:a16="http://schemas.microsoft.com/office/drawing/2014/main" xmlns="" id="{727EA2F4-D717-E14B-811A-51E2E7C2C470}"/>
+                <a16:creationId xmlns="" xmlns:a16="http://schemas.microsoft.com/office/drawing/2014/main" id="{727EA2F4-D717-E14B-811A-51E2E7C2C470}"/>
               </a:ext>
             </a:extLst>
           </p:cNvPr>
@@ -8164,7 +8148,7 @@
           <p:cNvPr id="4" name="Picture 6">
             <a:extLst>
               <a:ext uri="{FF2B5EF4-FFF2-40B4-BE49-F238E27FC236}">
-                <a16:creationId xmlns:a16="http://schemas.microsoft.com/office/drawing/2014/main" xmlns="" id="{0BE1A99B-BF1A-8E4C-910E-D7285757AB24}"/>
+                <a16:creationId xmlns="" xmlns:a16="http://schemas.microsoft.com/office/drawing/2014/main" id="{0BE1A99B-BF1A-8E4C-910E-D7285757AB24}"/>
               </a:ext>
             </a:extLst>
           </p:cNvPr>
@@ -8211,7 +8195,7 @@
           <p:cNvPr id="5" name="TextBox 4">
             <a:extLst>
               <a:ext uri="{FF2B5EF4-FFF2-40B4-BE49-F238E27FC236}">
-                <a16:creationId xmlns:a16="http://schemas.microsoft.com/office/drawing/2014/main" xmlns="" id="{7EBE5DC9-E09E-764A-B126-63A9A40DC29B}"/>
+                <a16:creationId xmlns="" xmlns:a16="http://schemas.microsoft.com/office/drawing/2014/main" id="{7EBE5DC9-E09E-764A-B126-63A9A40DC29B}"/>
               </a:ext>
             </a:extLst>
           </p:cNvPr>
@@ -8266,7 +8250,7 @@
           <p:cNvPr id="6" name="Picture 6" descr="Логотип Википедии — Википедия">
             <a:extLst>
               <a:ext uri="{FF2B5EF4-FFF2-40B4-BE49-F238E27FC236}">
-                <a16:creationId xmlns:a16="http://schemas.microsoft.com/office/drawing/2014/main" xmlns="" id="{DD2F3918-B987-4543-A998-8C9BB1190040}"/>
+                <a16:creationId xmlns="" xmlns:a16="http://schemas.microsoft.com/office/drawing/2014/main" id="{DD2F3918-B987-4543-A998-8C9BB1190040}"/>
               </a:ext>
             </a:extLst>
           </p:cNvPr>
@@ -8313,7 +8297,7 @@
           <p:cNvPr id="3" name="Номер слайда 2">
             <a:extLst>
               <a:ext uri="{FF2B5EF4-FFF2-40B4-BE49-F238E27FC236}">
-                <a16:creationId xmlns:a16="http://schemas.microsoft.com/office/drawing/2014/main" xmlns="" id="{DB85E96E-F72B-444F-BB06-26185F7F2DB4}"/>
+                <a16:creationId xmlns="" xmlns:a16="http://schemas.microsoft.com/office/drawing/2014/main" id="{DB85E96E-F72B-444F-BB06-26185F7F2DB4}"/>
               </a:ext>
             </a:extLst>
           </p:cNvPr>
@@ -8379,7 +8363,7 @@
           <p:cNvPr id="5" name="Объект 4">
             <a:extLst>
               <a:ext uri="{FF2B5EF4-FFF2-40B4-BE49-F238E27FC236}">
-                <a16:creationId xmlns:a16="http://schemas.microsoft.com/office/drawing/2014/main" xmlns="" id="{E2020364-620D-6141-9996-C965CBE7DFC9}"/>
+                <a16:creationId xmlns="" xmlns:a16="http://schemas.microsoft.com/office/drawing/2014/main" id="{E2020364-620D-6141-9996-C965CBE7DFC9}"/>
               </a:ext>
             </a:extLst>
           </p:cNvPr>
@@ -8408,7 +8392,7 @@
           <p:cNvPr id="2" name="Заголовок 1">
             <a:extLst>
               <a:ext uri="{FF2B5EF4-FFF2-40B4-BE49-F238E27FC236}">
-                <a16:creationId xmlns:a16="http://schemas.microsoft.com/office/drawing/2014/main" xmlns="" id="{69D5073E-944D-A64A-93DA-7759DDA0ADA3}"/>
+                <a16:creationId xmlns="" xmlns:a16="http://schemas.microsoft.com/office/drawing/2014/main" id="{69D5073E-944D-A64A-93DA-7759DDA0ADA3}"/>
               </a:ext>
             </a:extLst>
           </p:cNvPr>
@@ -8441,7 +8425,7 @@
           <p:cNvPr id="3" name="Номер слайда 2">
             <a:extLst>
               <a:ext uri="{FF2B5EF4-FFF2-40B4-BE49-F238E27FC236}">
-                <a16:creationId xmlns:a16="http://schemas.microsoft.com/office/drawing/2014/main" xmlns="" id="{88694FA9-C0A4-0C49-9667-77B8C2AA8036}"/>
+                <a16:creationId xmlns="" xmlns:a16="http://schemas.microsoft.com/office/drawing/2014/main" id="{88694FA9-C0A4-0C49-9667-77B8C2AA8036}"/>
               </a:ext>
             </a:extLst>
           </p:cNvPr>
@@ -8507,7 +8491,7 @@
           <p:cNvPr id="2" name="Заголовок 1">
             <a:extLst>
               <a:ext uri="{FF2B5EF4-FFF2-40B4-BE49-F238E27FC236}">
-                <a16:creationId xmlns:a16="http://schemas.microsoft.com/office/drawing/2014/main" xmlns="" id="{496D6DAC-8010-F246-9468-91A9D9FD0592}"/>
+                <a16:creationId xmlns="" xmlns:a16="http://schemas.microsoft.com/office/drawing/2014/main" id="{496D6DAC-8010-F246-9468-91A9D9FD0592}"/>
               </a:ext>
             </a:extLst>
           </p:cNvPr>
@@ -8535,7 +8519,7 @@
           <p:cNvPr id="3" name="Объект 2">
             <a:extLst>
               <a:ext uri="{FF2B5EF4-FFF2-40B4-BE49-F238E27FC236}">
-                <a16:creationId xmlns:a16="http://schemas.microsoft.com/office/drawing/2014/main" xmlns="" id="{BB69C649-6DF7-1C40-9337-E196ADED0CED}"/>
+                <a16:creationId xmlns="" xmlns:a16="http://schemas.microsoft.com/office/drawing/2014/main" id="{BB69C649-6DF7-1C40-9337-E196ADED0CED}"/>
               </a:ext>
             </a:extLst>
           </p:cNvPr>
@@ -8623,7 +8607,7 @@
           <p:cNvPr id="4" name="Номер слайда 3">
             <a:extLst>
               <a:ext uri="{FF2B5EF4-FFF2-40B4-BE49-F238E27FC236}">
-                <a16:creationId xmlns:a16="http://schemas.microsoft.com/office/drawing/2014/main" xmlns="" id="{D0F82830-CB17-6049-9B77-C0536C915DE6}"/>
+                <a16:creationId xmlns="" xmlns:a16="http://schemas.microsoft.com/office/drawing/2014/main" id="{D0F82830-CB17-6049-9B77-C0536C915DE6}"/>
               </a:ext>
             </a:extLst>
           </p:cNvPr>
